--- a/unit_00/html_review/04 JavaScript 1.pptx
+++ b/unit_00/html_review/04 JavaScript 1.pptx
@@ -16077,7 +16077,13 @@
                   <a:srgbClr val="00B0F0"/>
                 </a:solidFill>
                 <a:cs typeface="Arial" panose="020B0604020202020204" pitchFamily="34" charset="0"/>
-                <a:hlinkClick r:id="rId3"/>
+                <a:hlinkClick r:id="rId3">
+                  <a:extLst>
+                    <a:ext uri="{A12FA001-AC4F-418D-AE19-62706E023703}">
+                      <ahyp:hlinkClr xmlns:ahyp="http://schemas.microsoft.com/office/drawing/2018/hyperlinkcolor" val="tx"/>
+                    </a:ext>
+                  </a:extLst>
+                </a:hlinkClick>
               </a:rPr>
               <a:t>MDN Learn: JavaScript First Steps</a:t>
             </a:r>
@@ -16094,7 +16100,13 @@
                 <a:solidFill>
                   <a:srgbClr val="00B0F0"/>
                 </a:solidFill>
-                <a:hlinkClick r:id="rId3"/>
+                <a:hlinkClick r:id="rId3">
+                  <a:extLst>
+                    <a:ext uri="{A12FA001-AC4F-418D-AE19-62706E023703}">
+                      <ahyp:hlinkClr xmlns:ahyp="http://schemas.microsoft.com/office/drawing/2018/hyperlinkcolor" val="tx"/>
+                    </a:ext>
+                  </a:extLst>
+                </a:hlinkClick>
               </a:rPr>
               <a:t>MDN Docs: JavaScript Reference</a:t>
             </a:r>
@@ -16110,7 +16122,13 @@
                 <a:solidFill>
                   <a:srgbClr val="00B0F0"/>
                 </a:solidFill>
-                <a:hlinkClick r:id="rId4"/>
+                <a:hlinkClick r:id="rId4">
+                  <a:extLst>
+                    <a:ext uri="{A12FA001-AC4F-418D-AE19-62706E023703}">
+                      <ahyp:hlinkClr xmlns:ahyp="http://schemas.microsoft.com/office/drawing/2018/hyperlinkcolor" val="tx"/>
+                    </a:ext>
+                  </a:extLst>
+                </a:hlinkClick>
               </a:rPr>
               <a:t>MDN Docs: Falsy</a:t>
             </a:r>
@@ -16126,7 +16144,13 @@
                 <a:solidFill>
                   <a:srgbClr val="00B0F0"/>
                 </a:solidFill>
-                <a:hlinkClick r:id="rId5"/>
+                <a:hlinkClick r:id="rId5">
+                  <a:extLst>
+                    <a:ext uri="{A12FA001-AC4F-418D-AE19-62706E023703}">
+                      <ahyp:hlinkClr xmlns:ahyp="http://schemas.microsoft.com/office/drawing/2018/hyperlinkcolor" val="tx"/>
+                    </a:ext>
+                  </a:extLst>
+                </a:hlinkClick>
               </a:rPr>
               <a:t>JavaScript Tutorial: Differences between var and let</a:t>
             </a:r>
@@ -16134,7 +16158,13 @@
               <a:solidFill>
                 <a:srgbClr val="00B0F0"/>
               </a:solidFill>
-              <a:hlinkClick r:id="rId6"/>
+              <a:hlinkClick r:id="rId6">
+                <a:extLst>
+                  <a:ext uri="{A12FA001-AC4F-418D-AE19-62706E023703}">
+                    <ahyp:hlinkClr xmlns:ahyp="http://schemas.microsoft.com/office/drawing/2018/hyperlinkcolor" val="tx"/>
+                  </a:ext>
+                </a:extLst>
+              </a:hlinkClick>
             </a:endParaRPr>
           </a:p>
           <a:p>
@@ -16143,7 +16173,13 @@
                 <a:solidFill>
                   <a:srgbClr val="00B0F0"/>
                 </a:solidFill>
-                <a:hlinkClick r:id="rId6"/>
+                <a:hlinkClick r:id="rId6">
+                  <a:extLst>
+                    <a:ext uri="{A12FA001-AC4F-418D-AE19-62706E023703}">
+                      <ahyp:hlinkClr xmlns:ahyp="http://schemas.microsoft.com/office/drawing/2018/hyperlinkcolor" val="tx"/>
+                    </a:ext>
+                  </a:extLst>
+                </a:hlinkClick>
               </a:rPr>
               <a:t>JavaScript Tutorial: Declaring Constants in ES6</a:t>
             </a:r>

--- a/unit_00/html_review/04 JavaScript 1.pptx
+++ b/unit_00/html_review/04 JavaScript 1.pptx
@@ -10853,7 +10853,7 @@
               <a:rPr lang="en-US" sz="1800">
                 <a:latin typeface="Consolas" panose="020B0609020204030204" pitchFamily="49" charset="0"/>
               </a:rPr>
-              <a:t> (number % 2 == 0) {</a:t>
+              <a:t> (x % 2 == 0) {</a:t>
             </a:r>
           </a:p>
           <a:p>
@@ -18896,15 +18896,6 @@
 </file>
 
 <file path=customXml/item1.xml><?xml version="1.0" encoding="utf-8"?>
-<p:properties xmlns:p="http://schemas.microsoft.com/office/2006/metadata/properties" xmlns:xsi="http://www.w3.org/2001/XMLSchema-instance" xmlns:pc="http://schemas.microsoft.com/office/infopath/2007/PartnerControls">
-  <documentManagement>
-    <Status xmlns="71af3243-3dd4-4a8d-8c0d-dd76da1f02a5">Not started</Status>
-    <MediaServiceKeyPoints xmlns="71af3243-3dd4-4a8d-8c0d-dd76da1f02a5" xsi:nil="true"/>
-  </documentManagement>
-</p:properties>
-</file>
-
-<file path=customXml/item2.xml><?xml version="1.0" encoding="utf-8"?>
 <ct:contentTypeSchema xmlns:ct="http://schemas.microsoft.com/office/2006/metadata/contentType" xmlns:ma="http://schemas.microsoft.com/office/2006/metadata/properties/metaAttributes" ct:_="" ma:_="" ma:contentTypeName="Document" ma:contentTypeID="0x01010079F111ED35F8CC479449609E8A0923A6" ma:contentTypeVersion="12" ma:contentTypeDescription="Create a new document." ma:contentTypeScope="" ma:versionID="a410dd7f93c95333ffa1b60ed6adedd1">
   <xsd:schema xmlns:xsd="http://www.w3.org/2001/XMLSchema" xmlns:xs="http://www.w3.org/2001/XMLSchema" xmlns:p="http://schemas.microsoft.com/office/2006/metadata/properties" xmlns:ns2="71af3243-3dd4-4a8d-8c0d-dd76da1f02a5" xmlns:ns3="16c05727-aa75-4e4a-9b5f-8a80a1165891" targetNamespace="http://schemas.microsoft.com/office/2006/metadata/properties" ma:root="true" ma:fieldsID="a936d9baba76aa3866493feff160faab" ns2:_="" ns3:_="">
     <xsd:import namespace="71af3243-3dd4-4a8d-8c0d-dd76da1f02a5"/>
@@ -19125,7 +19116,7 @@
 </ct:contentTypeSchema>
 </file>
 
-<file path=customXml/item3.xml><?xml version="1.0" encoding="utf-8"?>
+<file path=customXml/item2.xml><?xml version="1.0" encoding="utf-8"?>
 <?mso-contentType ?>
 <FormTemplates xmlns="http://schemas.microsoft.com/sharepoint/v3/contenttype/forms">
   <Display>DocumentLibraryForm</Display>
@@ -19134,24 +19125,16 @@
 </FormTemplates>
 </file>
 
-<file path=customXml/itemProps1.xml><?xml version="1.0" encoding="utf-8"?>
-<ds:datastoreItem xmlns:ds="http://schemas.openxmlformats.org/officeDocument/2006/customXml" ds:itemID="{137651BA-F45C-4845-9AB3-E0A65B39F5E1}">
-  <ds:schemaRefs>
-    <ds:schemaRef ds:uri="http://schemas.microsoft.com/office/2006/documentManagement/types"/>
-    <ds:schemaRef ds:uri="http://schemas.microsoft.com/office/infopath/2007/PartnerControls"/>
-    <ds:schemaRef ds:uri="http://purl.org/dc/elements/1.1/"/>
-    <ds:schemaRef ds:uri="71af3243-3dd4-4a8d-8c0d-dd76da1f02a5"/>
-    <ds:schemaRef ds:uri="http://schemas.microsoft.com/office/2006/metadata/properties"/>
-    <ds:schemaRef ds:uri="16c05727-aa75-4e4a-9b5f-8a80a1165891"/>
-    <ds:schemaRef ds:uri="http://purl.org/dc/terms/"/>
-    <ds:schemaRef ds:uri="http://schemas.openxmlformats.org/package/2006/metadata/core-properties"/>
-    <ds:schemaRef ds:uri="http://www.w3.org/XML/1998/namespace"/>
-    <ds:schemaRef ds:uri="http://purl.org/dc/dcmitype/"/>
-  </ds:schemaRefs>
-</ds:datastoreItem>
+<file path=customXml/item3.xml><?xml version="1.0" encoding="utf-8"?>
+<p:properties xmlns:p="http://schemas.microsoft.com/office/2006/metadata/properties" xmlns:xsi="http://www.w3.org/2001/XMLSchema-instance" xmlns:pc="http://schemas.microsoft.com/office/infopath/2007/PartnerControls">
+  <documentManagement>
+    <Status xmlns="71af3243-3dd4-4a8d-8c0d-dd76da1f02a5">Not started</Status>
+    <MediaServiceKeyPoints xmlns="71af3243-3dd4-4a8d-8c0d-dd76da1f02a5" xsi:nil="true"/>
+  </documentManagement>
+</p:properties>
 </file>
 
-<file path=customXml/itemProps2.xml><?xml version="1.0" encoding="utf-8"?>
+<file path=customXml/itemProps1.xml><?xml version="1.0" encoding="utf-8"?>
 <ds:datastoreItem xmlns:ds="http://schemas.openxmlformats.org/officeDocument/2006/customXml" ds:itemID="{2D276E62-80A3-44DD-9BCC-97ED2B99B57F}">
   <ds:schemaRefs>
     <ds:schemaRef ds:uri="http://schemas.microsoft.com/office/2006/metadata/contentType"/>
@@ -19170,10 +19153,27 @@
 </ds:datastoreItem>
 </file>
 
-<file path=customXml/itemProps3.xml><?xml version="1.0" encoding="utf-8"?>
+<file path=customXml/itemProps2.xml><?xml version="1.0" encoding="utf-8"?>
 <ds:datastoreItem xmlns:ds="http://schemas.openxmlformats.org/officeDocument/2006/customXml" ds:itemID="{CDB58277-F8DF-46FF-84EC-EF41B835E69F}">
   <ds:schemaRefs>
     <ds:schemaRef ds:uri="http://schemas.microsoft.com/sharepoint/v3/contenttype/forms"/>
   </ds:schemaRefs>
 </ds:datastoreItem>
+</file>
+
+<file path=customXml/itemProps3.xml><?xml version="1.0" encoding="utf-8"?>
+<ds:datastoreItem xmlns:ds="http://schemas.openxmlformats.org/officeDocument/2006/customXml" ds:itemID="{137651BA-F45C-4845-9AB3-E0A65B39F5E1}">
+  <ds:schemaRefs>
+    <ds:schemaRef ds:uri="http://schemas.microsoft.com/office/2006/documentManagement/types"/>
+    <ds:schemaRef ds:uri="http://schemas.microsoft.com/office/infopath/2007/PartnerControls"/>
+    <ds:schemaRef ds:uri="http://purl.org/dc/elements/1.1/"/>
+    <ds:schemaRef ds:uri="71af3243-3dd4-4a8d-8c0d-dd76da1f02a5"/>
+    <ds:schemaRef ds:uri="http://schemas.microsoft.com/office/2006/metadata/properties"/>
+    <ds:schemaRef ds:uri="16c05727-aa75-4e4a-9b5f-8a80a1165891"/>
+    <ds:schemaRef ds:uri="http://purl.org/dc/terms/"/>
+    <ds:schemaRef ds:uri="http://schemas.openxmlformats.org/package/2006/metadata/core-properties"/>
+    <ds:schemaRef ds:uri="http://www.w3.org/XML/1998/namespace"/>
+    <ds:schemaRef ds:uri="http://purl.org/dc/dcmitype/"/>
+  </ds:schemaRefs>
+</ds:datastoreItem>
 </file>
--- a/unit_00/html_review/04 JavaScript 1.pptx
+++ b/unit_00/html_review/04 JavaScript 1.pptx
@@ -13410,7 +13410,7 @@
             </a:r>
             <a:r>
               <a:rPr lang="en-US" sz="1800" b="1"/>
-              <a:t>Falsy</a:t>
+              <a:t>falsy</a:t>
             </a:r>
             <a:r>
               <a:rPr lang="en-US" sz="1800"/>
@@ -18896,6 +18896,24 @@
 </file>
 
 <file path=customXml/item1.xml><?xml version="1.0" encoding="utf-8"?>
+<?mso-contentType ?>
+<FormTemplates xmlns="http://schemas.microsoft.com/sharepoint/v3/contenttype/forms">
+  <Display>DocumentLibraryForm</Display>
+  <Edit>DocumentLibraryForm</Edit>
+  <New>DocumentLibraryForm</New>
+</FormTemplates>
+</file>
+
+<file path=customXml/item2.xml><?xml version="1.0" encoding="utf-8"?>
+<p:properties xmlns:p="http://schemas.microsoft.com/office/2006/metadata/properties" xmlns:xsi="http://www.w3.org/2001/XMLSchema-instance" xmlns:pc="http://schemas.microsoft.com/office/infopath/2007/PartnerControls">
+  <documentManagement>
+    <Status xmlns="71af3243-3dd4-4a8d-8c0d-dd76da1f02a5">Not started</Status>
+    <MediaServiceKeyPoints xmlns="71af3243-3dd4-4a8d-8c0d-dd76da1f02a5" xsi:nil="true"/>
+  </documentManagement>
+</p:properties>
+</file>
+
+<file path=customXml/item3.xml><?xml version="1.0" encoding="utf-8"?>
 <ct:contentTypeSchema xmlns:ct="http://schemas.microsoft.com/office/2006/metadata/contentType" xmlns:ma="http://schemas.microsoft.com/office/2006/metadata/properties/metaAttributes" ct:_="" ma:_="" ma:contentTypeName="Document" ma:contentTypeID="0x01010079F111ED35F8CC479449609E8A0923A6" ma:contentTypeVersion="12" ma:contentTypeDescription="Create a new document." ma:contentTypeScope="" ma:versionID="a410dd7f93c95333ffa1b60ed6adedd1">
   <xsd:schema xmlns:xsd="http://www.w3.org/2001/XMLSchema" xmlns:xs="http://www.w3.org/2001/XMLSchema" xmlns:p="http://schemas.microsoft.com/office/2006/metadata/properties" xmlns:ns2="71af3243-3dd4-4a8d-8c0d-dd76da1f02a5" xmlns:ns3="16c05727-aa75-4e4a-9b5f-8a80a1165891" targetNamespace="http://schemas.microsoft.com/office/2006/metadata/properties" ma:root="true" ma:fieldsID="a936d9baba76aa3866493feff160faab" ns2:_="" ns3:_="">
     <xsd:import namespace="71af3243-3dd4-4a8d-8c0d-dd76da1f02a5"/>
@@ -19116,25 +19134,32 @@
 </ct:contentTypeSchema>
 </file>
 
-<file path=customXml/item2.xml><?xml version="1.0" encoding="utf-8"?>
-<?mso-contentType ?>
-<FormTemplates xmlns="http://schemas.microsoft.com/sharepoint/v3/contenttype/forms">
-  <Display>DocumentLibraryForm</Display>
-  <Edit>DocumentLibraryForm</Edit>
-  <New>DocumentLibraryForm</New>
-</FormTemplates>
+<file path=customXml/itemProps1.xml><?xml version="1.0" encoding="utf-8"?>
+<ds:datastoreItem xmlns:ds="http://schemas.openxmlformats.org/officeDocument/2006/customXml" ds:itemID="{CDB58277-F8DF-46FF-84EC-EF41B835E69F}">
+  <ds:schemaRefs>
+    <ds:schemaRef ds:uri="http://schemas.microsoft.com/sharepoint/v3/contenttype/forms"/>
+  </ds:schemaRefs>
+</ds:datastoreItem>
 </file>
 
-<file path=customXml/item3.xml><?xml version="1.0" encoding="utf-8"?>
-<p:properties xmlns:p="http://schemas.microsoft.com/office/2006/metadata/properties" xmlns:xsi="http://www.w3.org/2001/XMLSchema-instance" xmlns:pc="http://schemas.microsoft.com/office/infopath/2007/PartnerControls">
-  <documentManagement>
-    <Status xmlns="71af3243-3dd4-4a8d-8c0d-dd76da1f02a5">Not started</Status>
-    <MediaServiceKeyPoints xmlns="71af3243-3dd4-4a8d-8c0d-dd76da1f02a5" xsi:nil="true"/>
-  </documentManagement>
-</p:properties>
+<file path=customXml/itemProps2.xml><?xml version="1.0" encoding="utf-8"?>
+<ds:datastoreItem xmlns:ds="http://schemas.openxmlformats.org/officeDocument/2006/customXml" ds:itemID="{137651BA-F45C-4845-9AB3-E0A65B39F5E1}">
+  <ds:schemaRefs>
+    <ds:schemaRef ds:uri="http://schemas.microsoft.com/office/2006/documentManagement/types"/>
+    <ds:schemaRef ds:uri="http://schemas.microsoft.com/office/infopath/2007/PartnerControls"/>
+    <ds:schemaRef ds:uri="http://purl.org/dc/elements/1.1/"/>
+    <ds:schemaRef ds:uri="71af3243-3dd4-4a8d-8c0d-dd76da1f02a5"/>
+    <ds:schemaRef ds:uri="http://schemas.microsoft.com/office/2006/metadata/properties"/>
+    <ds:schemaRef ds:uri="16c05727-aa75-4e4a-9b5f-8a80a1165891"/>
+    <ds:schemaRef ds:uri="http://purl.org/dc/terms/"/>
+    <ds:schemaRef ds:uri="http://schemas.openxmlformats.org/package/2006/metadata/core-properties"/>
+    <ds:schemaRef ds:uri="http://www.w3.org/XML/1998/namespace"/>
+    <ds:schemaRef ds:uri="http://purl.org/dc/dcmitype/"/>
+  </ds:schemaRefs>
+</ds:datastoreItem>
 </file>
 
-<file path=customXml/itemProps1.xml><?xml version="1.0" encoding="utf-8"?>
+<file path=customXml/itemProps3.xml><?xml version="1.0" encoding="utf-8"?>
 <ds:datastoreItem xmlns:ds="http://schemas.openxmlformats.org/officeDocument/2006/customXml" ds:itemID="{2D276E62-80A3-44DD-9BCC-97ED2B99B57F}">
   <ds:schemaRefs>
     <ds:schemaRef ds:uri="http://schemas.microsoft.com/office/2006/metadata/contentType"/>
@@ -19151,29 +19176,4 @@
     <ds:schemaRef ds:uri="http://schemas.microsoft.com/internal/obd"/>
   </ds:schemaRefs>
 </ds:datastoreItem>
-</file>
-
-<file path=customXml/itemProps2.xml><?xml version="1.0" encoding="utf-8"?>
-<ds:datastoreItem xmlns:ds="http://schemas.openxmlformats.org/officeDocument/2006/customXml" ds:itemID="{CDB58277-F8DF-46FF-84EC-EF41B835E69F}">
-  <ds:schemaRefs>
-    <ds:schemaRef ds:uri="http://schemas.microsoft.com/sharepoint/v3/contenttype/forms"/>
-  </ds:schemaRefs>
-</ds:datastoreItem>
-</file>
-
-<file path=customXml/itemProps3.xml><?xml version="1.0" encoding="utf-8"?>
-<ds:datastoreItem xmlns:ds="http://schemas.openxmlformats.org/officeDocument/2006/customXml" ds:itemID="{137651BA-F45C-4845-9AB3-E0A65B39F5E1}">
-  <ds:schemaRefs>
-    <ds:schemaRef ds:uri="http://schemas.microsoft.com/office/2006/documentManagement/types"/>
-    <ds:schemaRef ds:uri="http://schemas.microsoft.com/office/infopath/2007/PartnerControls"/>
-    <ds:schemaRef ds:uri="http://purl.org/dc/elements/1.1/"/>
-    <ds:schemaRef ds:uri="71af3243-3dd4-4a8d-8c0d-dd76da1f02a5"/>
-    <ds:schemaRef ds:uri="http://schemas.microsoft.com/office/2006/metadata/properties"/>
-    <ds:schemaRef ds:uri="16c05727-aa75-4e4a-9b5f-8a80a1165891"/>
-    <ds:schemaRef ds:uri="http://purl.org/dc/terms/"/>
-    <ds:schemaRef ds:uri="http://schemas.openxmlformats.org/package/2006/metadata/core-properties"/>
-    <ds:schemaRef ds:uri="http://www.w3.org/XML/1998/namespace"/>
-    <ds:schemaRef ds:uri="http://purl.org/dc/dcmitype/"/>
-  </ds:schemaRefs>
-</ds:datastoreItem>
 </file>